--- a/Báo cáo/Slide.pptx
+++ b/Báo cáo/Slide.pptx
@@ -4484,7 +4484,7 @@
           <a:p>
             <a:fld id="{1845F220-BA75-4FC4-921F-532B2B4C3AC8}" type="datetimeFigureOut">
               <a:rPr lang="en-US" smtClean="0"/>
-              <a:t>6/18/2018</a:t>
+              <a:t>6/19/2018</a:t>
             </a:fld>
             <a:endParaRPr lang="en-US"/>
           </a:p>
@@ -5103,7 +5103,7 @@
           <a:p>
             <a:fld id="{0CE77424-11BD-424C-82E7-8A14A669BE25}" type="datetime1">
               <a:rPr lang="en-US" smtClean="0"/>
-              <a:t>6/18/2018</a:t>
+              <a:t>6/19/2018</a:t>
             </a:fld>
             <a:endParaRPr lang="en-US"/>
           </a:p>
@@ -5303,7 +5303,7 @@
           <a:p>
             <a:fld id="{521E3705-1067-4C6E-86FA-092D31B1A230}" type="datetime1">
               <a:rPr lang="en-US" smtClean="0"/>
-              <a:t>6/18/2018</a:t>
+              <a:t>6/19/2018</a:t>
             </a:fld>
             <a:endParaRPr lang="en-US"/>
           </a:p>
@@ -5485,7 +5485,7 @@
           <a:p>
             <a:fld id="{0E728107-70CC-4758-A449-56937615390D}" type="datetime1">
               <a:rPr lang="en-US" smtClean="0"/>
-              <a:t>6/18/2018</a:t>
+              <a:t>6/19/2018</a:t>
             </a:fld>
             <a:endParaRPr lang="en-US"/>
           </a:p>
@@ -5657,7 +5657,7 @@
           <a:p>
             <a:fld id="{9BF8265C-3267-45F9-9F5E-A6D469D76ABB}" type="datetime1">
               <a:rPr lang="en-US" smtClean="0"/>
-              <a:t>6/18/2018</a:t>
+              <a:t>6/19/2018</a:t>
             </a:fld>
             <a:endParaRPr lang="en-US"/>
           </a:p>
@@ -5934,7 +5934,7 @@
           <a:p>
             <a:fld id="{4A90687F-4AC3-45F1-A7DA-56687233E1FB}" type="datetime1">
               <a:rPr lang="en-US" smtClean="0"/>
-              <a:t>6/18/2018</a:t>
+              <a:t>6/19/2018</a:t>
             </a:fld>
             <a:endParaRPr lang="en-US"/>
           </a:p>
@@ -6167,7 +6167,7 @@
           <a:p>
             <a:fld id="{CC3761D1-3197-4555-8F26-9BD798015AA2}" type="datetime1">
               <a:rPr lang="en-US" smtClean="0"/>
-              <a:t>6/18/2018</a:t>
+              <a:t>6/19/2018</a:t>
             </a:fld>
             <a:endParaRPr lang="en-US"/>
           </a:p>
@@ -6559,7 +6559,7 @@
           <a:p>
             <a:fld id="{BD309AC0-7C86-42BC-A84B-73E7ACB6E088}" type="datetime1">
               <a:rPr lang="en-US" smtClean="0"/>
-              <a:t>6/18/2018</a:t>
+              <a:t>6/19/2018</a:t>
             </a:fld>
             <a:endParaRPr lang="en-US"/>
           </a:p>
@@ -6692,7 +6692,7 @@
           <a:p>
             <a:fld id="{5E9518AB-D07A-4C5C-8DB5-1819E1BBA417}" type="datetime1">
               <a:rPr lang="en-US" smtClean="0"/>
-              <a:t>6/18/2018</a:t>
+              <a:t>6/19/2018</a:t>
             </a:fld>
             <a:endParaRPr lang="en-US"/>
           </a:p>
@@ -6825,7 +6825,7 @@
           <a:p>
             <a:fld id="{CB12C191-DC05-407E-B9CB-431A8FEAF692}" type="datetime1">
               <a:rPr lang="en-US" smtClean="0"/>
-              <a:t>6/18/2018</a:t>
+              <a:t>6/19/2018</a:t>
             </a:fld>
             <a:endParaRPr lang="en-US"/>
           </a:p>
@@ -7128,7 +7128,7 @@
           <a:p>
             <a:fld id="{BA0F6904-2F70-4AC9-9A3A-9D29C8A52736}" type="datetime1">
               <a:rPr lang="en-US" smtClean="0"/>
-              <a:t>6/18/2018</a:t>
+              <a:t>6/19/2018</a:t>
             </a:fld>
             <a:endParaRPr lang="en-US"/>
           </a:p>
@@ -7387,7 +7387,7 @@
           <a:p>
             <a:fld id="{05A4AFFA-E3E6-4375-B5CC-EFC581F58B1F}" type="datetime1">
               <a:rPr lang="en-US" smtClean="0"/>
-              <a:t>6/18/2018</a:t>
+              <a:t>6/19/2018</a:t>
             </a:fld>
             <a:endParaRPr lang="en-US"/>
           </a:p>
@@ -7611,7 +7611,7 @@
           <a:p>
             <a:fld id="{418FD845-D845-4563-BF32-19DBB2BCB6ED}" type="datetime1">
               <a:rPr lang="en-US" smtClean="0"/>
-              <a:t>6/18/2018</a:t>
+              <a:t>6/19/2018</a:t>
             </a:fld>
             <a:endParaRPr lang="en-US"/>
           </a:p>
@@ -8584,10 +8584,6 @@
               </a:rPr>
               <a:t>điều khiển</a:t>
             </a:r>
-            <a:endParaRPr lang="en-US" sz="2000" b="1">
-              <a:latin typeface="Times New Roman" panose="02020603050405020304" pitchFamily="18" charset="0"/>
-              <a:cs typeface="Times New Roman" panose="02020603050405020304" pitchFamily="18" charset="0"/>
-            </a:endParaRPr>
           </a:p>
         </p:txBody>
       </p:sp>
@@ -8622,14 +8618,7 @@
                 <a:latin typeface="Times New Roman" panose="02020603050405020304" pitchFamily="18" charset="0"/>
                 <a:cs typeface="Times New Roman" panose="02020603050405020304" pitchFamily="18" charset="0"/>
               </a:rPr>
-              <a:t>Ứng </a:t>
-            </a:r>
-            <a:r>
-              <a:rPr lang="en-US" sz="2000" b="1">
-                <a:latin typeface="Times New Roman" panose="02020603050405020304" pitchFamily="18" charset="0"/>
-                <a:cs typeface="Times New Roman" panose="02020603050405020304" pitchFamily="18" charset="0"/>
-              </a:rPr>
-              <a:t>dụng </a:t>
+              <a:t>Ứng dụng </a:t>
             </a:r>
             <a:r>
               <a:rPr lang="en-US" sz="2000" b="1" smtClean="0">
@@ -8793,10 +8782,6 @@
               </a:rPr>
               <a:t>điều khiển</a:t>
             </a:r>
-            <a:endParaRPr lang="en-US" sz="2000" b="1">
-              <a:latin typeface="Times New Roman" panose="02020603050405020304" pitchFamily="18" charset="0"/>
-              <a:cs typeface="Times New Roman" panose="02020603050405020304" pitchFamily="18" charset="0"/>
-            </a:endParaRPr>
           </a:p>
         </p:txBody>
       </p:sp>
@@ -8831,21 +8816,21 @@
                 <a:latin typeface="Times New Roman" panose="02020603050405020304" pitchFamily="18" charset="0"/>
                 <a:cs typeface="Times New Roman" panose="02020603050405020304" pitchFamily="18" charset="0"/>
               </a:rPr>
-              <a:t>Ứng </a:t>
-            </a:r>
-            <a:r>
-              <a:rPr lang="en-US" sz="2000" b="1">
-                <a:latin typeface="Times New Roman" panose="02020603050405020304" pitchFamily="18" charset="0"/>
-                <a:cs typeface="Times New Roman" panose="02020603050405020304" pitchFamily="18" charset="0"/>
-              </a:rPr>
-              <a:t>dụng </a:t>
+              <a:t>Ứng dụng </a:t>
             </a:r>
             <a:r>
               <a:rPr lang="en-US" sz="2000" b="1" smtClean="0">
                 <a:latin typeface="Times New Roman" panose="02020603050405020304" pitchFamily="18" charset="0"/>
                 <a:cs typeface="Times New Roman" panose="02020603050405020304" pitchFamily="18" charset="0"/>
               </a:rPr>
-              <a:t>trên Google Assistant</a:t>
+              <a:t>trên Google </a:t>
+            </a:r>
+            <a:r>
+              <a:rPr lang="en-US" sz="2000" b="1" smtClean="0">
+                <a:latin typeface="Times New Roman" panose="02020603050405020304" pitchFamily="18" charset="0"/>
+                <a:cs typeface="Times New Roman" panose="02020603050405020304" pitchFamily="18" charset="0"/>
+              </a:rPr>
+              <a:t>Assistant</a:t>
             </a:r>
             <a:endParaRPr lang="en-US" sz="2000" b="1">
               <a:latin typeface="Times New Roman" panose="02020603050405020304" pitchFamily="18" charset="0"/>
@@ -9168,10 +9153,6 @@
               </a:rPr>
               <a:t>thực thi</a:t>
             </a:r>
-            <a:endParaRPr lang="en-US" sz="2000" b="1">
-              <a:latin typeface="Times New Roman" panose="02020603050405020304" pitchFamily="18" charset="0"/>
-              <a:cs typeface="Times New Roman" panose="02020603050405020304" pitchFamily="18" charset="0"/>
-            </a:endParaRPr>
           </a:p>
         </p:txBody>
       </p:sp>
@@ -9836,14 +9817,7 @@
                 <a:latin typeface="Times New Roman" panose="02020603050405020304" pitchFamily="18" charset="0"/>
                 <a:cs typeface="Times New Roman" panose="02020603050405020304" pitchFamily="18" charset="0"/>
               </a:rPr>
-              <a:t> Quá trình cài đặt cho mỗi loại tivi đang còn phức </a:t>
-            </a:r>
-            <a:r>
-              <a:rPr lang="en-US">
-                <a:latin typeface="Times New Roman" panose="02020603050405020304" pitchFamily="18" charset="0"/>
-                <a:cs typeface="Times New Roman" panose="02020603050405020304" pitchFamily="18" charset="0"/>
-              </a:rPr>
-              <a:t>tạp</a:t>
+              <a:t> Quá trình cài đặt cho mỗi loại tivi đang còn phức tạp</a:t>
             </a:r>
             <a:r>
               <a:rPr lang="en-US" smtClean="0">
@@ -10121,6 +10095,242 @@
                       </p:childTnLst>
                     </p:cTn>
                   </p:par>
+                  <p:par>
+                    <p:cTn id="23" fill="hold">
+                      <p:stCondLst>
+                        <p:cond delay="indefinite"/>
+                      </p:stCondLst>
+                      <p:childTnLst>
+                        <p:par>
+                          <p:cTn id="24" fill="hold">
+                            <p:stCondLst>
+                              <p:cond delay="0"/>
+                            </p:stCondLst>
+                            <p:childTnLst>
+                              <p:par>
+                                <p:cTn id="25" presetID="10" presetClass="entr" presetSubtype="0" fill="hold" grpId="0" nodeType="clickEffect">
+                                  <p:stCondLst>
+                                    <p:cond delay="0"/>
+                                  </p:stCondLst>
+                                  <p:childTnLst>
+                                    <p:set>
+                                      <p:cBhvr>
+                                        <p:cTn id="26" dur="1" fill="hold">
+                                          <p:stCondLst>
+                                            <p:cond delay="0"/>
+                                          </p:stCondLst>
+                                        </p:cTn>
+                                        <p:tgtEl>
+                                          <p:spTgt spid="9"/>
+                                        </p:tgtEl>
+                                        <p:attrNameLst>
+                                          <p:attrName>style.visibility</p:attrName>
+                                        </p:attrNameLst>
+                                      </p:cBhvr>
+                                      <p:to>
+                                        <p:strVal val="visible"/>
+                                      </p:to>
+                                    </p:set>
+                                    <p:animEffect transition="in" filter="fade">
+                                      <p:cBhvr>
+                                        <p:cTn id="27" dur="500"/>
+                                        <p:tgtEl>
+                                          <p:spTgt spid="9"/>
+                                        </p:tgtEl>
+                                      </p:cBhvr>
+                                    </p:animEffect>
+                                  </p:childTnLst>
+                                </p:cTn>
+                              </p:par>
+                            </p:childTnLst>
+                          </p:cTn>
+                        </p:par>
+                      </p:childTnLst>
+                    </p:cTn>
+                  </p:par>
+                  <p:par>
+                    <p:cTn id="28" fill="hold">
+                      <p:stCondLst>
+                        <p:cond delay="indefinite"/>
+                      </p:stCondLst>
+                      <p:childTnLst>
+                        <p:par>
+                          <p:cTn id="29" fill="hold">
+                            <p:stCondLst>
+                              <p:cond delay="0"/>
+                            </p:stCondLst>
+                            <p:childTnLst>
+                              <p:par>
+                                <p:cTn id="30" presetID="10" presetClass="entr" presetSubtype="0" fill="hold" nodeType="clickEffect">
+                                  <p:stCondLst>
+                                    <p:cond delay="0"/>
+                                  </p:stCondLst>
+                                  <p:childTnLst>
+                                    <p:set>
+                                      <p:cBhvr>
+                                        <p:cTn id="31" dur="1" fill="hold">
+                                          <p:stCondLst>
+                                            <p:cond delay="0"/>
+                                          </p:stCondLst>
+                                        </p:cTn>
+                                        <p:tgtEl>
+                                          <p:spTgt spid="4">
+                                            <p:txEl>
+                                              <p:pRg st="0" end="0"/>
+                                            </p:txEl>
+                                          </p:spTgt>
+                                        </p:tgtEl>
+                                        <p:attrNameLst>
+                                          <p:attrName>style.visibility</p:attrName>
+                                        </p:attrNameLst>
+                                      </p:cBhvr>
+                                      <p:to>
+                                        <p:strVal val="visible"/>
+                                      </p:to>
+                                    </p:set>
+                                    <p:animEffect transition="in" filter="fade">
+                                      <p:cBhvr>
+                                        <p:cTn id="32" dur="500"/>
+                                        <p:tgtEl>
+                                          <p:spTgt spid="4">
+                                            <p:txEl>
+                                              <p:pRg st="0" end="0"/>
+                                            </p:txEl>
+                                          </p:spTgt>
+                                        </p:tgtEl>
+                                      </p:cBhvr>
+                                    </p:animEffect>
+                                  </p:childTnLst>
+                                </p:cTn>
+                              </p:par>
+                            </p:childTnLst>
+                          </p:cTn>
+                        </p:par>
+                      </p:childTnLst>
+                    </p:cTn>
+                  </p:par>
+                  <p:par>
+                    <p:cTn id="33" fill="hold">
+                      <p:stCondLst>
+                        <p:cond delay="indefinite"/>
+                      </p:stCondLst>
+                      <p:childTnLst>
+                        <p:par>
+                          <p:cTn id="34" fill="hold">
+                            <p:stCondLst>
+                              <p:cond delay="0"/>
+                            </p:stCondLst>
+                            <p:childTnLst>
+                              <p:par>
+                                <p:cTn id="35" presetID="10" presetClass="entr" presetSubtype="0" fill="hold" nodeType="clickEffect">
+                                  <p:stCondLst>
+                                    <p:cond delay="0"/>
+                                  </p:stCondLst>
+                                  <p:childTnLst>
+                                    <p:set>
+                                      <p:cBhvr>
+                                        <p:cTn id="36" dur="1" fill="hold">
+                                          <p:stCondLst>
+                                            <p:cond delay="0"/>
+                                          </p:stCondLst>
+                                        </p:cTn>
+                                        <p:tgtEl>
+                                          <p:spTgt spid="4">
+                                            <p:txEl>
+                                              <p:pRg st="1" end="1"/>
+                                            </p:txEl>
+                                          </p:spTgt>
+                                        </p:tgtEl>
+                                        <p:attrNameLst>
+                                          <p:attrName>style.visibility</p:attrName>
+                                        </p:attrNameLst>
+                                      </p:cBhvr>
+                                      <p:to>
+                                        <p:strVal val="visible"/>
+                                      </p:to>
+                                    </p:set>
+                                    <p:animEffect transition="in" filter="fade">
+                                      <p:cBhvr>
+                                        <p:cTn id="37" dur="500"/>
+                                        <p:tgtEl>
+                                          <p:spTgt spid="4">
+                                            <p:txEl>
+                                              <p:pRg st="1" end="1"/>
+                                            </p:txEl>
+                                          </p:spTgt>
+                                        </p:tgtEl>
+                                      </p:cBhvr>
+                                    </p:animEffect>
+                                  </p:childTnLst>
+                                </p:cTn>
+                              </p:par>
+                            </p:childTnLst>
+                          </p:cTn>
+                        </p:par>
+                      </p:childTnLst>
+                    </p:cTn>
+                  </p:par>
+                  <p:par>
+                    <p:cTn id="38" fill="hold">
+                      <p:stCondLst>
+                        <p:cond delay="indefinite"/>
+                      </p:stCondLst>
+                      <p:childTnLst>
+                        <p:par>
+                          <p:cTn id="39" fill="hold">
+                            <p:stCondLst>
+                              <p:cond delay="0"/>
+                            </p:stCondLst>
+                            <p:childTnLst>
+                              <p:par>
+                                <p:cTn id="40" presetID="10" presetClass="entr" presetSubtype="0" fill="hold" nodeType="clickEffect">
+                                  <p:stCondLst>
+                                    <p:cond delay="0"/>
+                                  </p:stCondLst>
+                                  <p:childTnLst>
+                                    <p:set>
+                                      <p:cBhvr>
+                                        <p:cTn id="41" dur="1" fill="hold">
+                                          <p:stCondLst>
+                                            <p:cond delay="0"/>
+                                          </p:stCondLst>
+                                        </p:cTn>
+                                        <p:tgtEl>
+                                          <p:spTgt spid="4">
+                                            <p:txEl>
+                                              <p:pRg st="2" end="2"/>
+                                            </p:txEl>
+                                          </p:spTgt>
+                                        </p:tgtEl>
+                                        <p:attrNameLst>
+                                          <p:attrName>style.visibility</p:attrName>
+                                        </p:attrNameLst>
+                                      </p:cBhvr>
+                                      <p:to>
+                                        <p:strVal val="visible"/>
+                                      </p:to>
+                                    </p:set>
+                                    <p:animEffect transition="in" filter="fade">
+                                      <p:cBhvr>
+                                        <p:cTn id="42" dur="500"/>
+                                        <p:tgtEl>
+                                          <p:spTgt spid="4">
+                                            <p:txEl>
+                                              <p:pRg st="2" end="2"/>
+                                            </p:txEl>
+                                          </p:spTgt>
+                                        </p:tgtEl>
+                                      </p:cBhvr>
+                                    </p:animEffect>
+                                  </p:childTnLst>
+                                </p:cTn>
+                              </p:par>
+                            </p:childTnLst>
+                          </p:cTn>
+                        </p:par>
+                      </p:childTnLst>
+                    </p:cTn>
+                  </p:par>
                 </p:childTnLst>
               </p:cTn>
               <p:prevCondLst>
@@ -10142,6 +10352,9 @@
         </p:cTn>
       </p:par>
     </p:tnLst>
+    <p:bldLst>
+      <p:bldP spid="9" grpId="0"/>
+    </p:bldLst>
   </p:timing>
 </p:sld>
 </file>
@@ -10204,7 +10417,7 @@
         </p:nvSpPr>
         <p:spPr>
           <a:xfrm>
-            <a:off x="488950" y="1473201"/>
+            <a:off x="561975" y="1473201"/>
             <a:ext cx="7880350" cy="3429000"/>
           </a:xfrm>
         </p:spPr>
@@ -10274,15 +10487,8 @@
                 <a:latin typeface="Times New Roman" panose="02020603050405020304" pitchFamily="18" charset="0"/>
                 <a:cs typeface="Times New Roman" panose="02020603050405020304" pitchFamily="18" charset="0"/>
               </a:rPr>
-              <a:t> Thiết kế hệ thống cho nhiều người dung, quản lý theo tài khoản</a:t>
-            </a:r>
-            <a:endParaRPr lang="en-US" sz="2000">
-              <a:solidFill>
-                <a:schemeClr val="tx1"/>
-              </a:solidFill>
-              <a:latin typeface="Times New Roman" panose="02020603050405020304" pitchFamily="18" charset="0"/>
-              <a:cs typeface="Times New Roman" panose="02020603050405020304" pitchFamily="18" charset="0"/>
-            </a:endParaRPr>
+              <a:t> Thiết kế server hệ thống cho nhiều người dung, quản lý theo tài khoản</a:t>
+            </a:r>
           </a:p>
           <a:p>
             <a:pPr>
@@ -10297,7 +10503,7 @@
                 <a:latin typeface="Times New Roman" panose="02020603050405020304" pitchFamily="18" charset="0"/>
                 <a:cs typeface="Times New Roman" panose="02020603050405020304" pitchFamily="18" charset="0"/>
               </a:rPr>
-              <a:t> Phương thức cài đặt hoàn toàn trên giao diện người dùng</a:t>
+              <a:t> Phương thức cài đặt hoàn toàn trên giao diện của người dùng</a:t>
             </a:r>
             <a:endParaRPr lang="en-US" sz="2000">
               <a:solidFill>
@@ -10359,7 +10565,335 @@
   <p:timing>
     <p:tnLst>
       <p:par>
-        <p:cTn id="1" dur="indefinite" restart="never" nodeType="tmRoot"/>
+        <p:cTn id="1" dur="indefinite" restart="never" nodeType="tmRoot">
+          <p:childTnLst>
+            <p:seq concurrent="1" nextAc="seek">
+              <p:cTn id="2" dur="indefinite" nodeType="mainSeq">
+                <p:childTnLst>
+                  <p:par>
+                    <p:cTn id="3" fill="hold">
+                      <p:stCondLst>
+                        <p:cond delay="indefinite"/>
+                      </p:stCondLst>
+                      <p:childTnLst>
+                        <p:par>
+                          <p:cTn id="4" fill="hold">
+                            <p:stCondLst>
+                              <p:cond delay="0"/>
+                            </p:stCondLst>
+                            <p:childTnLst>
+                              <p:par>
+                                <p:cTn id="5" presetID="10" presetClass="entr" presetSubtype="0" fill="hold" nodeType="clickEffect">
+                                  <p:stCondLst>
+                                    <p:cond delay="0"/>
+                                  </p:stCondLst>
+                                  <p:childTnLst>
+                                    <p:set>
+                                      <p:cBhvr>
+                                        <p:cTn id="6" dur="1" fill="hold">
+                                          <p:stCondLst>
+                                            <p:cond delay="0"/>
+                                          </p:stCondLst>
+                                        </p:cTn>
+                                        <p:tgtEl>
+                                          <p:spTgt spid="3">
+                                            <p:txEl>
+                                              <p:pRg st="0" end="0"/>
+                                            </p:txEl>
+                                          </p:spTgt>
+                                        </p:tgtEl>
+                                        <p:attrNameLst>
+                                          <p:attrName>style.visibility</p:attrName>
+                                        </p:attrNameLst>
+                                      </p:cBhvr>
+                                      <p:to>
+                                        <p:strVal val="visible"/>
+                                      </p:to>
+                                    </p:set>
+                                    <p:animEffect transition="in" filter="fade">
+                                      <p:cBhvr>
+                                        <p:cTn id="7" dur="500"/>
+                                        <p:tgtEl>
+                                          <p:spTgt spid="3">
+                                            <p:txEl>
+                                              <p:pRg st="0" end="0"/>
+                                            </p:txEl>
+                                          </p:spTgt>
+                                        </p:tgtEl>
+                                      </p:cBhvr>
+                                    </p:animEffect>
+                                  </p:childTnLst>
+                                </p:cTn>
+                              </p:par>
+                            </p:childTnLst>
+                          </p:cTn>
+                        </p:par>
+                      </p:childTnLst>
+                    </p:cTn>
+                  </p:par>
+                  <p:par>
+                    <p:cTn id="8" fill="hold">
+                      <p:stCondLst>
+                        <p:cond delay="indefinite"/>
+                      </p:stCondLst>
+                      <p:childTnLst>
+                        <p:par>
+                          <p:cTn id="9" fill="hold">
+                            <p:stCondLst>
+                              <p:cond delay="0"/>
+                            </p:stCondLst>
+                            <p:childTnLst>
+                              <p:par>
+                                <p:cTn id="10" presetID="10" presetClass="entr" presetSubtype="0" fill="hold" nodeType="clickEffect">
+                                  <p:stCondLst>
+                                    <p:cond delay="0"/>
+                                  </p:stCondLst>
+                                  <p:childTnLst>
+                                    <p:set>
+                                      <p:cBhvr>
+                                        <p:cTn id="11" dur="1" fill="hold">
+                                          <p:stCondLst>
+                                            <p:cond delay="0"/>
+                                          </p:stCondLst>
+                                        </p:cTn>
+                                        <p:tgtEl>
+                                          <p:spTgt spid="3">
+                                            <p:txEl>
+                                              <p:pRg st="1" end="1"/>
+                                            </p:txEl>
+                                          </p:spTgt>
+                                        </p:tgtEl>
+                                        <p:attrNameLst>
+                                          <p:attrName>style.visibility</p:attrName>
+                                        </p:attrNameLst>
+                                      </p:cBhvr>
+                                      <p:to>
+                                        <p:strVal val="visible"/>
+                                      </p:to>
+                                    </p:set>
+                                    <p:animEffect transition="in" filter="fade">
+                                      <p:cBhvr>
+                                        <p:cTn id="12" dur="500"/>
+                                        <p:tgtEl>
+                                          <p:spTgt spid="3">
+                                            <p:txEl>
+                                              <p:pRg st="1" end="1"/>
+                                            </p:txEl>
+                                          </p:spTgt>
+                                        </p:tgtEl>
+                                      </p:cBhvr>
+                                    </p:animEffect>
+                                  </p:childTnLst>
+                                </p:cTn>
+                              </p:par>
+                            </p:childTnLst>
+                          </p:cTn>
+                        </p:par>
+                      </p:childTnLst>
+                    </p:cTn>
+                  </p:par>
+                  <p:par>
+                    <p:cTn id="13" fill="hold">
+                      <p:stCondLst>
+                        <p:cond delay="indefinite"/>
+                      </p:stCondLst>
+                      <p:childTnLst>
+                        <p:par>
+                          <p:cTn id="14" fill="hold">
+                            <p:stCondLst>
+                              <p:cond delay="0"/>
+                            </p:stCondLst>
+                            <p:childTnLst>
+                              <p:par>
+                                <p:cTn id="15" presetID="10" presetClass="entr" presetSubtype="0" fill="hold" nodeType="clickEffect">
+                                  <p:stCondLst>
+                                    <p:cond delay="0"/>
+                                  </p:stCondLst>
+                                  <p:childTnLst>
+                                    <p:set>
+                                      <p:cBhvr>
+                                        <p:cTn id="16" dur="1" fill="hold">
+                                          <p:stCondLst>
+                                            <p:cond delay="0"/>
+                                          </p:stCondLst>
+                                        </p:cTn>
+                                        <p:tgtEl>
+                                          <p:spTgt spid="3">
+                                            <p:txEl>
+                                              <p:pRg st="2" end="2"/>
+                                            </p:txEl>
+                                          </p:spTgt>
+                                        </p:tgtEl>
+                                        <p:attrNameLst>
+                                          <p:attrName>style.visibility</p:attrName>
+                                        </p:attrNameLst>
+                                      </p:cBhvr>
+                                      <p:to>
+                                        <p:strVal val="visible"/>
+                                      </p:to>
+                                    </p:set>
+                                    <p:animEffect transition="in" filter="fade">
+                                      <p:cBhvr>
+                                        <p:cTn id="17" dur="500"/>
+                                        <p:tgtEl>
+                                          <p:spTgt spid="3">
+                                            <p:txEl>
+                                              <p:pRg st="2" end="2"/>
+                                            </p:txEl>
+                                          </p:spTgt>
+                                        </p:tgtEl>
+                                      </p:cBhvr>
+                                    </p:animEffect>
+                                  </p:childTnLst>
+                                </p:cTn>
+                              </p:par>
+                            </p:childTnLst>
+                          </p:cTn>
+                        </p:par>
+                      </p:childTnLst>
+                    </p:cTn>
+                  </p:par>
+                  <p:par>
+                    <p:cTn id="18" fill="hold">
+                      <p:stCondLst>
+                        <p:cond delay="indefinite"/>
+                      </p:stCondLst>
+                      <p:childTnLst>
+                        <p:par>
+                          <p:cTn id="19" fill="hold">
+                            <p:stCondLst>
+                              <p:cond delay="0"/>
+                            </p:stCondLst>
+                            <p:childTnLst>
+                              <p:par>
+                                <p:cTn id="20" presetID="10" presetClass="entr" presetSubtype="0" fill="hold" nodeType="clickEffect">
+                                  <p:stCondLst>
+                                    <p:cond delay="0"/>
+                                  </p:stCondLst>
+                                  <p:childTnLst>
+                                    <p:set>
+                                      <p:cBhvr>
+                                        <p:cTn id="21" dur="1" fill="hold">
+                                          <p:stCondLst>
+                                            <p:cond delay="0"/>
+                                          </p:stCondLst>
+                                        </p:cTn>
+                                        <p:tgtEl>
+                                          <p:spTgt spid="3">
+                                            <p:txEl>
+                                              <p:pRg st="3" end="3"/>
+                                            </p:txEl>
+                                          </p:spTgt>
+                                        </p:tgtEl>
+                                        <p:attrNameLst>
+                                          <p:attrName>style.visibility</p:attrName>
+                                        </p:attrNameLst>
+                                      </p:cBhvr>
+                                      <p:to>
+                                        <p:strVal val="visible"/>
+                                      </p:to>
+                                    </p:set>
+                                    <p:animEffect transition="in" filter="fade">
+                                      <p:cBhvr>
+                                        <p:cTn id="22" dur="500"/>
+                                        <p:tgtEl>
+                                          <p:spTgt spid="3">
+                                            <p:txEl>
+                                              <p:pRg st="3" end="3"/>
+                                            </p:txEl>
+                                          </p:spTgt>
+                                        </p:tgtEl>
+                                      </p:cBhvr>
+                                    </p:animEffect>
+                                  </p:childTnLst>
+                                </p:cTn>
+                              </p:par>
+                            </p:childTnLst>
+                          </p:cTn>
+                        </p:par>
+                      </p:childTnLst>
+                    </p:cTn>
+                  </p:par>
+                  <p:par>
+                    <p:cTn id="23" fill="hold">
+                      <p:stCondLst>
+                        <p:cond delay="indefinite"/>
+                      </p:stCondLst>
+                      <p:childTnLst>
+                        <p:par>
+                          <p:cTn id="24" fill="hold">
+                            <p:stCondLst>
+                              <p:cond delay="0"/>
+                            </p:stCondLst>
+                            <p:childTnLst>
+                              <p:par>
+                                <p:cTn id="25" presetID="10" presetClass="entr" presetSubtype="0" fill="hold" nodeType="clickEffect">
+                                  <p:stCondLst>
+                                    <p:cond delay="0"/>
+                                  </p:stCondLst>
+                                  <p:childTnLst>
+                                    <p:set>
+                                      <p:cBhvr>
+                                        <p:cTn id="26" dur="1" fill="hold">
+                                          <p:stCondLst>
+                                            <p:cond delay="0"/>
+                                          </p:stCondLst>
+                                        </p:cTn>
+                                        <p:tgtEl>
+                                          <p:spTgt spid="3">
+                                            <p:txEl>
+                                              <p:pRg st="4" end="4"/>
+                                            </p:txEl>
+                                          </p:spTgt>
+                                        </p:tgtEl>
+                                        <p:attrNameLst>
+                                          <p:attrName>style.visibility</p:attrName>
+                                        </p:attrNameLst>
+                                      </p:cBhvr>
+                                      <p:to>
+                                        <p:strVal val="visible"/>
+                                      </p:to>
+                                    </p:set>
+                                    <p:animEffect transition="in" filter="fade">
+                                      <p:cBhvr>
+                                        <p:cTn id="27" dur="500"/>
+                                        <p:tgtEl>
+                                          <p:spTgt spid="3">
+                                            <p:txEl>
+                                              <p:pRg st="4" end="4"/>
+                                            </p:txEl>
+                                          </p:spTgt>
+                                        </p:tgtEl>
+                                      </p:cBhvr>
+                                    </p:animEffect>
+                                  </p:childTnLst>
+                                </p:cTn>
+                              </p:par>
+                            </p:childTnLst>
+                          </p:cTn>
+                        </p:par>
+                      </p:childTnLst>
+                    </p:cTn>
+                  </p:par>
+                </p:childTnLst>
+              </p:cTn>
+              <p:prevCondLst>
+                <p:cond evt="onPrev" delay="0">
+                  <p:tgtEl>
+                    <p:sldTgt/>
+                  </p:tgtEl>
+                </p:cond>
+              </p:prevCondLst>
+              <p:nextCondLst>
+                <p:cond evt="onNext" delay="0">
+                  <p:tgtEl>
+                    <p:sldTgt/>
+                  </p:tgtEl>
+                </p:cond>
+              </p:nextCondLst>
+            </p:seq>
+          </p:childTnLst>
+        </p:cTn>
       </p:par>
     </p:tnLst>
   </p:timing>
@@ -10446,8 +10980,8 @@
         </p:nvSpPr>
         <p:spPr>
           <a:xfrm>
-            <a:off x="2397125" y="3581399"/>
-            <a:ext cx="4349750" cy="431800"/>
+            <a:off x="3061493" y="3365499"/>
+            <a:ext cx="2881313" cy="431800"/>
           </a:xfrm>
         </p:spPr>
         <p:txBody>
@@ -10467,7 +11001,7 @@
                 <a:latin typeface="Times New Roman" panose="02020603050405020304" pitchFamily="18" charset="0"/>
                 <a:cs typeface="Times New Roman" panose="02020603050405020304" pitchFamily="18" charset="0"/>
               </a:rPr>
-              <a:t>THANK FOR WATCHING!</a:t>
+              <a:t>EM XIN CẢM ƠN!</a:t>
             </a:r>
             <a:endParaRPr lang="en-US" sz="2600">
               <a:solidFill>
@@ -10500,9 +11034,96 @@
   <p:timing>
     <p:tnLst>
       <p:par>
-        <p:cTn id="1" dur="indefinite" restart="never" nodeType="tmRoot"/>
+        <p:cTn id="1" dur="indefinite" restart="never" nodeType="tmRoot">
+          <p:childTnLst>
+            <p:seq concurrent="1" nextAc="seek">
+              <p:cTn id="2" dur="indefinite" nodeType="mainSeq">
+                <p:childTnLst>
+                  <p:par>
+                    <p:cTn id="3" fill="hold">
+                      <p:stCondLst>
+                        <p:cond delay="indefinite"/>
+                      </p:stCondLst>
+                      <p:childTnLst>
+                        <p:par>
+                          <p:cTn id="4" fill="hold">
+                            <p:stCondLst>
+                              <p:cond delay="0"/>
+                            </p:stCondLst>
+                            <p:childTnLst>
+                              <p:par>
+                                <p:cTn id="5" presetID="10" presetClass="entr" presetSubtype="0" fill="hold" grpId="0" nodeType="clickEffect">
+                                  <p:stCondLst>
+                                    <p:cond delay="0"/>
+                                  </p:stCondLst>
+                                  <p:childTnLst>
+                                    <p:set>
+                                      <p:cBhvr>
+                                        <p:cTn id="6" dur="1" fill="hold">
+                                          <p:stCondLst>
+                                            <p:cond delay="0"/>
+                                          </p:stCondLst>
+                                        </p:cTn>
+                                        <p:tgtEl>
+                                          <p:spTgt spid="8">
+                                            <p:txEl>
+                                              <p:pRg st="0" end="0"/>
+                                            </p:txEl>
+                                          </p:spTgt>
+                                        </p:tgtEl>
+                                        <p:attrNameLst>
+                                          <p:attrName>style.visibility</p:attrName>
+                                        </p:attrNameLst>
+                                      </p:cBhvr>
+                                      <p:to>
+                                        <p:strVal val="visible"/>
+                                      </p:to>
+                                    </p:set>
+                                    <p:animEffect transition="in" filter="fade">
+                                      <p:cBhvr>
+                                        <p:cTn id="7" dur="500"/>
+                                        <p:tgtEl>
+                                          <p:spTgt spid="8">
+                                            <p:txEl>
+                                              <p:pRg st="0" end="0"/>
+                                            </p:txEl>
+                                          </p:spTgt>
+                                        </p:tgtEl>
+                                      </p:cBhvr>
+                                    </p:animEffect>
+                                  </p:childTnLst>
+                                </p:cTn>
+                              </p:par>
+                            </p:childTnLst>
+                          </p:cTn>
+                        </p:par>
+                      </p:childTnLst>
+                    </p:cTn>
+                  </p:par>
+                </p:childTnLst>
+              </p:cTn>
+              <p:prevCondLst>
+                <p:cond evt="onPrev" delay="0">
+                  <p:tgtEl>
+                    <p:sldTgt/>
+                  </p:tgtEl>
+                </p:cond>
+              </p:prevCondLst>
+              <p:nextCondLst>
+                <p:cond evt="onNext" delay="0">
+                  <p:tgtEl>
+                    <p:sldTgt/>
+                  </p:tgtEl>
+                </p:cond>
+              </p:nextCondLst>
+            </p:seq>
+          </p:childTnLst>
+        </p:cTn>
       </p:par>
     </p:tnLst>
+    <p:bldLst>
+      <p:bldP spid="8" grpId="0" build="p"/>
+    </p:bldLst>
   </p:timing>
 </p:sld>
 </file>
@@ -10902,14 +11523,7 @@
                 <a:latin typeface="Times New Roman" panose="02020603050405020304" pitchFamily="18" charset="0"/>
                 <a:cs typeface="Times New Roman" panose="02020603050405020304" pitchFamily="18" charset="0"/>
               </a:rPr>
-              <a:t>hỗ trợ </a:t>
-            </a:r>
-            <a:r>
-              <a:rPr lang="vi-VN" sz="2000">
-                <a:latin typeface="Times New Roman" panose="02020603050405020304" pitchFamily="18" charset="0"/>
-                <a:cs typeface="Times New Roman" panose="02020603050405020304" pitchFamily="18" charset="0"/>
-              </a:rPr>
-              <a:t>tiếng </a:t>
+              <a:t>hỗ trợ tiếng </a:t>
             </a:r>
             <a:r>
               <a:rPr lang="en-US" sz="2000">
@@ -10947,84 +11561,63 @@
                 <a:latin typeface="Times New Roman" panose="02020603050405020304" pitchFamily="18" charset="0"/>
                 <a:cs typeface="Times New Roman" panose="02020603050405020304" pitchFamily="18" charset="0"/>
               </a:rPr>
-              <a:t>điều </a:t>
+              <a:t>điều khiển </a:t>
+            </a:r>
+            <a:r>
+              <a:rPr lang="vi-VN" sz="2000" smtClean="0">
+                <a:latin typeface="Times New Roman" panose="02020603050405020304" pitchFamily="18" charset="0"/>
+                <a:cs typeface="Times New Roman" panose="02020603050405020304" pitchFamily="18" charset="0"/>
+              </a:rPr>
+              <a:t>bật/tắt</a:t>
+            </a:r>
+            <a:r>
+              <a:rPr lang="en-US" sz="2000" smtClean="0">
+                <a:latin typeface="Times New Roman" panose="02020603050405020304" pitchFamily="18" charset="0"/>
+                <a:cs typeface="Times New Roman" panose="02020603050405020304" pitchFamily="18" charset="0"/>
+              </a:rPr>
+              <a:t> thiết bị</a:t>
+            </a:r>
+            <a:r>
+              <a:rPr lang="vi-VN" sz="2000" smtClean="0">
+                <a:latin typeface="Times New Roman" panose="02020603050405020304" pitchFamily="18" charset="0"/>
+                <a:cs typeface="Times New Roman" panose="02020603050405020304" pitchFamily="18" charset="0"/>
+              </a:rPr>
+              <a:t>, </a:t>
             </a:r>
             <a:r>
               <a:rPr lang="vi-VN" sz="2000">
                 <a:latin typeface="Times New Roman" panose="02020603050405020304" pitchFamily="18" charset="0"/>
                 <a:cs typeface="Times New Roman" panose="02020603050405020304" pitchFamily="18" charset="0"/>
               </a:rPr>
-              <a:t>khiển </a:t>
+              <a:t>chưa điều khiển sâu </a:t>
             </a:r>
             <a:r>
               <a:rPr lang="vi-VN" sz="2000" smtClean="0">
                 <a:latin typeface="Times New Roman" panose="02020603050405020304" pitchFamily="18" charset="0"/>
                 <a:cs typeface="Times New Roman" panose="02020603050405020304" pitchFamily="18" charset="0"/>
               </a:rPr>
-              <a:t>bật/tắt</a:t>
+              <a:t>vào</a:t>
             </a:r>
             <a:r>
               <a:rPr lang="en-US" sz="2000" smtClean="0">
                 <a:latin typeface="Times New Roman" panose="02020603050405020304" pitchFamily="18" charset="0"/>
                 <a:cs typeface="Times New Roman" panose="02020603050405020304" pitchFamily="18" charset="0"/>
               </a:rPr>
-              <a:t> thiết bị</a:t>
+              <a:t> </a:t>
             </a:r>
             <a:r>
               <a:rPr lang="vi-VN" sz="2000" smtClean="0">
                 <a:latin typeface="Times New Roman" panose="02020603050405020304" pitchFamily="18" charset="0"/>
                 <a:cs typeface="Times New Roman" panose="02020603050405020304" pitchFamily="18" charset="0"/>
               </a:rPr>
-              <a:t>, </a:t>
+              <a:t>các </a:t>
             </a:r>
             <a:r>
               <a:rPr lang="vi-VN" sz="2000">
                 <a:latin typeface="Times New Roman" panose="02020603050405020304" pitchFamily="18" charset="0"/>
                 <a:cs typeface="Times New Roman" panose="02020603050405020304" pitchFamily="18" charset="0"/>
               </a:rPr>
-              <a:t>chưa điều khiển </a:t>
-            </a:r>
-            <a:r>
-              <a:rPr lang="vi-VN" sz="2000">
-                <a:latin typeface="Times New Roman" panose="02020603050405020304" pitchFamily="18" charset="0"/>
-                <a:cs typeface="Times New Roman" panose="02020603050405020304" pitchFamily="18" charset="0"/>
-              </a:rPr>
-              <a:t>sâu </a:t>
-            </a:r>
-            <a:r>
-              <a:rPr lang="vi-VN" sz="2000" smtClean="0">
-                <a:latin typeface="Times New Roman" panose="02020603050405020304" pitchFamily="18" charset="0"/>
-                <a:cs typeface="Times New Roman" panose="02020603050405020304" pitchFamily="18" charset="0"/>
-              </a:rPr>
-              <a:t>vào</a:t>
-            </a:r>
-            <a:r>
-              <a:rPr lang="en-US" sz="2000" smtClean="0">
-                <a:latin typeface="Times New Roman" panose="02020603050405020304" pitchFamily="18" charset="0"/>
-                <a:cs typeface="Times New Roman" panose="02020603050405020304" pitchFamily="18" charset="0"/>
-              </a:rPr>
-              <a:t> </a:t>
-            </a:r>
-            <a:r>
-              <a:rPr lang="vi-VN" sz="2000" smtClean="0">
-                <a:latin typeface="Times New Roman" panose="02020603050405020304" pitchFamily="18" charset="0"/>
-                <a:cs typeface="Times New Roman" panose="02020603050405020304" pitchFamily="18" charset="0"/>
-              </a:rPr>
-              <a:t>các </a:t>
-            </a:r>
-            <a:r>
-              <a:rPr lang="vi-VN" sz="2000">
-                <a:latin typeface="Times New Roman" panose="02020603050405020304" pitchFamily="18" charset="0"/>
-                <a:cs typeface="Times New Roman" panose="02020603050405020304" pitchFamily="18" charset="0"/>
-              </a:rPr>
-              <a:t>chức năng của </a:t>
-            </a:r>
-            <a:r>
-              <a:rPr lang="vi-VN" sz="2000">
-                <a:latin typeface="Times New Roman" panose="02020603050405020304" pitchFamily="18" charset="0"/>
-                <a:cs typeface="Times New Roman" panose="02020603050405020304" pitchFamily="18" charset="0"/>
-              </a:rPr>
-              <a:t>thiết </a:t>
+              <a:t>chức năng của thiết </a:t>
             </a:r>
             <a:r>
               <a:rPr lang="vi-VN" sz="2000" smtClean="0">
@@ -11048,7 +11641,7 @@
         </p:nvSpPr>
         <p:spPr>
           <a:xfrm>
-            <a:off x="355600" y="3599201"/>
+            <a:off x="355600" y="3078501"/>
             <a:ext cx="5016500" cy="400110"/>
           </a:xfrm>
           <a:prstGeom prst="rect">
@@ -11091,7 +11684,7 @@
         </p:nvSpPr>
         <p:spPr>
           <a:xfrm>
-            <a:off x="355600" y="5470170"/>
+            <a:off x="355600" y="4936770"/>
             <a:ext cx="5168900" cy="400110"/>
           </a:xfrm>
           <a:prstGeom prst="rect">
@@ -11114,14 +11707,7 @@
                 <a:latin typeface="Times New Roman" panose="02020603050405020304" pitchFamily="18" charset="0"/>
                 <a:cs typeface="Times New Roman" panose="02020603050405020304" pitchFamily="18" charset="0"/>
               </a:rPr>
-              <a:t>Chuyển đổi Tivi thường thành </a:t>
-            </a:r>
-            <a:r>
-              <a:rPr lang="en-US" sz="2000" b="1">
-                <a:latin typeface="Times New Roman" panose="02020603050405020304" pitchFamily="18" charset="0"/>
-                <a:cs typeface="Times New Roman" panose="02020603050405020304" pitchFamily="18" charset="0"/>
-              </a:rPr>
-              <a:t>Smart </a:t>
+              <a:t>Chuyển đổi Tivi thường thành Smart </a:t>
             </a:r>
             <a:r>
               <a:rPr lang="en-US" sz="2000" b="1" smtClean="0">
@@ -11134,6 +11720,98 @@
               <a:latin typeface="Times New Roman" panose="02020603050405020304" pitchFamily="18" charset="0"/>
               <a:cs typeface="Times New Roman" panose="02020603050405020304" pitchFamily="18" charset="0"/>
             </a:endParaRPr>
+          </a:p>
+        </p:txBody>
+      </p:sp>
+      <p:sp>
+        <p:nvSpPr>
+          <p:cNvPr id="3" name="TextBox 2"/>
+          <p:cNvSpPr txBox="1"/>
+          <p:nvPr/>
+        </p:nvSpPr>
+        <p:spPr>
+          <a:xfrm>
+            <a:off x="819150" y="3652369"/>
+            <a:ext cx="4552950" cy="1015663"/>
+          </a:xfrm>
+          <a:prstGeom prst="rect">
+            <a:avLst/>
+          </a:prstGeom>
+          <a:noFill/>
+        </p:spPr>
+        <p:txBody>
+          <a:bodyPr wrap="square" rtlCol="0">
+            <a:spAutoFit/>
+          </a:bodyPr>
+          <a:lstStyle/>
+          <a:p>
+            <a:pPr marL="285750" indent="-285750">
+              <a:buFontTx/>
+              <a:buChar char="-"/>
+            </a:pPr>
+            <a:r>
+              <a:rPr lang="en-US" sz="2000" smtClean="0">
+                <a:latin typeface="Times New Roman" panose="02020603050405020304" pitchFamily="18" charset="0"/>
+                <a:ea typeface="Tahoma" panose="020B0604030504040204" pitchFamily="34" charset="0"/>
+                <a:cs typeface="Times New Roman" panose="02020603050405020304" pitchFamily="18" charset="0"/>
+              </a:rPr>
+              <a:t>Số lượng kênh tivi ngày càng nhiều</a:t>
+            </a:r>
+          </a:p>
+          <a:p>
+            <a:pPr marL="285750" indent="-285750">
+              <a:buFontTx/>
+              <a:buChar char="-"/>
+            </a:pPr>
+            <a:r>
+              <a:rPr lang="en-US" sz="2000" smtClean="0">
+                <a:latin typeface="Times New Roman" panose="02020603050405020304" pitchFamily="18" charset="0"/>
+                <a:ea typeface="Tahoma" panose="020B0604030504040204" pitchFamily="34" charset="0"/>
+                <a:cs typeface="Times New Roman" panose="02020603050405020304" pitchFamily="18" charset="0"/>
+              </a:rPr>
+              <a:t>Không nhớ số kênh tương ứng với tên kênh</a:t>
+            </a:r>
+            <a:endParaRPr lang="en-US" sz="2000">
+              <a:latin typeface="Times New Roman" panose="02020603050405020304" pitchFamily="18" charset="0"/>
+              <a:ea typeface="Tahoma" panose="020B0604030504040204" pitchFamily="34" charset="0"/>
+              <a:cs typeface="Times New Roman" panose="02020603050405020304" pitchFamily="18" charset="0"/>
+            </a:endParaRPr>
+          </a:p>
+        </p:txBody>
+      </p:sp>
+      <p:sp>
+        <p:nvSpPr>
+          <p:cNvPr id="4" name="TextBox 3"/>
+          <p:cNvSpPr txBox="1"/>
+          <p:nvPr/>
+        </p:nvSpPr>
+        <p:spPr>
+          <a:xfrm>
+            <a:off x="819150" y="5523250"/>
+            <a:ext cx="4552950" cy="707886"/>
+          </a:xfrm>
+          <a:prstGeom prst="rect">
+            <a:avLst/>
+          </a:prstGeom>
+          <a:noFill/>
+        </p:spPr>
+        <p:txBody>
+          <a:bodyPr wrap="square" rtlCol="0">
+            <a:spAutoFit/>
+          </a:bodyPr>
+          <a:lstStyle/>
+          <a:p>
+            <a:pPr marL="285750" indent="-285750">
+              <a:buFontTx/>
+              <a:buChar char="-"/>
+            </a:pPr>
+            <a:r>
+              <a:rPr lang="en-US" sz="2000" smtClean="0">
+                <a:latin typeface="Times New Roman" panose="02020603050405020304" pitchFamily="18" charset="0"/>
+                <a:cs typeface="Times New Roman" panose="02020603050405020304" pitchFamily="18" charset="0"/>
+              </a:rPr>
+              <a:t>Điều khiển tivi thông qua smartphone ở bất cứ đâu có kết nối Internet</a:t>
+            </a:r>
           </a:p>
         </p:txBody>
       </p:sp>
@@ -11440,14 +12118,7 @@
                 <a:latin typeface="Times New Roman" panose="02020603050405020304" pitchFamily="18" charset="0"/>
                 <a:cs typeface="Times New Roman" panose="02020603050405020304" pitchFamily="18" charset="0"/>
               </a:rPr>
-              <a:t>khiển bằng giọng nói </a:t>
-            </a:r>
-            <a:r>
-              <a:rPr lang="vi-VN" sz="2000">
-                <a:latin typeface="Times New Roman" panose="02020603050405020304" pitchFamily="18" charset="0"/>
-                <a:cs typeface="Times New Roman" panose="02020603050405020304" pitchFamily="18" charset="0"/>
-              </a:rPr>
-              <a:t>tiếng </a:t>
+              <a:t>khiển bằng giọng nói tiếng </a:t>
             </a:r>
             <a:r>
               <a:rPr lang="vi-VN" sz="2000" smtClean="0">
@@ -11478,14 +12149,7 @@
                 <a:latin typeface="Times New Roman" panose="02020603050405020304" pitchFamily="18" charset="0"/>
                 <a:cs typeface="Times New Roman" panose="02020603050405020304" pitchFamily="18" charset="0"/>
               </a:rPr>
-              <a:t>khiển các chức năng của tivi như tăng/giảm âm lượng, bật/tắt, chuyển </a:t>
-            </a:r>
-            <a:r>
-              <a:rPr lang="vi-VN" sz="2000">
-                <a:latin typeface="Times New Roman" panose="02020603050405020304" pitchFamily="18" charset="0"/>
-                <a:cs typeface="Times New Roman" panose="02020603050405020304" pitchFamily="18" charset="0"/>
-              </a:rPr>
-              <a:t>kênh</a:t>
+              <a:t>khiển các chức năng của tivi như tăng/giảm âm lượng, bật/tắt, chuyển kênh</a:t>
             </a:r>
             <a:r>
               <a:rPr lang="vi-VN" sz="2000" smtClean="0">
@@ -11509,7 +12173,7 @@
         </p:nvSpPr>
         <p:spPr>
           <a:xfrm>
-            <a:off x="965200" y="3211978"/>
+            <a:off x="965200" y="4405778"/>
             <a:ext cx="4965700" cy="400110"/>
           </a:xfrm>
           <a:prstGeom prst="rect">
@@ -11539,14 +12203,7 @@
                 <a:latin typeface="Times New Roman" panose="02020603050405020304" pitchFamily="18" charset="0"/>
                 <a:cs typeface="Times New Roman" panose="02020603050405020304" pitchFamily="18" charset="0"/>
               </a:rPr>
-              <a:t>ở trạng thái đang bật hay </a:t>
-            </a:r>
-            <a:r>
-              <a:rPr lang="en-US" sz="2000">
-                <a:latin typeface="Times New Roman" panose="02020603050405020304" pitchFamily="18" charset="0"/>
-                <a:cs typeface="Times New Roman" panose="02020603050405020304" pitchFamily="18" charset="0"/>
-              </a:rPr>
-              <a:t>đang </a:t>
+              <a:t>ở trạng thái đang bật hay đang </a:t>
             </a:r>
             <a:r>
               <a:rPr lang="en-US" sz="2000" smtClean="0">
@@ -11566,7 +12223,7 @@
         </p:nvSpPr>
         <p:spPr>
           <a:xfrm>
-            <a:off x="609600" y="4266363"/>
+            <a:off x="609600" y="5460163"/>
             <a:ext cx="7543800" cy="707886"/>
           </a:xfrm>
           <a:prstGeom prst="rect">
@@ -11599,14 +12256,7 @@
                 <a:latin typeface="Times New Roman" panose="02020603050405020304" pitchFamily="18" charset="0"/>
                 <a:cs typeface="Times New Roman" panose="02020603050405020304" pitchFamily="18" charset="0"/>
               </a:rPr>
-              <a:t>dùng có thể điều khiển tivi thông qua Google Home hoặc các thiết bị sử dụng trợ lý ảo </a:t>
-            </a:r>
-            <a:r>
-              <a:rPr lang="en-US" sz="2000">
-                <a:latin typeface="Times New Roman" panose="02020603050405020304" pitchFamily="18" charset="0"/>
-                <a:cs typeface="Times New Roman" panose="02020603050405020304" pitchFamily="18" charset="0"/>
-              </a:rPr>
-              <a:t>Google </a:t>
+              <a:t>dùng có thể điều khiển tivi thông qua Google Home hoặc các thiết bị sử dụng trợ lý ảo Google </a:t>
             </a:r>
             <a:r>
               <a:rPr lang="en-US" sz="2000" smtClean="0">
@@ -11630,7 +12280,7 @@
         </p:nvSpPr>
         <p:spPr>
           <a:xfrm>
-            <a:off x="488950" y="2782951"/>
+            <a:off x="488950" y="3976751"/>
             <a:ext cx="6134100" cy="400110"/>
           </a:xfrm>
           <a:prstGeom prst="rect">
@@ -11653,14 +12303,7 @@
                 <a:latin typeface="Times New Roman" panose="02020603050405020304" pitchFamily="18" charset="0"/>
                 <a:cs typeface="Times New Roman" panose="02020603050405020304" pitchFamily="18" charset="0"/>
               </a:rPr>
-              <a:t> Cho phép xem trạng thái hoạt động </a:t>
-            </a:r>
-            <a:r>
-              <a:rPr lang="en-US" sz="2000" b="1">
-                <a:latin typeface="Times New Roman" panose="02020603050405020304" pitchFamily="18" charset="0"/>
-                <a:cs typeface="Times New Roman" panose="02020603050405020304" pitchFamily="18" charset="0"/>
-              </a:rPr>
-              <a:t>của </a:t>
+              <a:t> Cho phép xem trạng thái hoạt động của </a:t>
             </a:r>
             <a:r>
               <a:rPr lang="en-US" sz="2000" b="1" smtClean="0">
@@ -11684,7 +12327,7 @@
         </p:nvSpPr>
         <p:spPr>
           <a:xfrm>
-            <a:off x="488950" y="3760866"/>
+            <a:off x="488950" y="4954666"/>
             <a:ext cx="5600700" cy="400110"/>
           </a:xfrm>
           <a:prstGeom prst="rect">
@@ -11714,14 +12357,7 @@
                 <a:latin typeface="Times New Roman" panose="02020603050405020304" pitchFamily="18" charset="0"/>
                 <a:cs typeface="Times New Roman" panose="02020603050405020304" pitchFamily="18" charset="0"/>
               </a:rPr>
-              <a:t>Hỗ trợ nền tảng nhà thông minh </a:t>
-            </a:r>
-            <a:r>
-              <a:rPr lang="en-US" sz="2000" b="1">
-                <a:latin typeface="Times New Roman" panose="02020603050405020304" pitchFamily="18" charset="0"/>
-                <a:cs typeface="Times New Roman" panose="02020603050405020304" pitchFamily="18" charset="0"/>
-              </a:rPr>
-              <a:t>Google </a:t>
+              <a:t>Hỗ trợ nền tảng nhà thông minh Google </a:t>
             </a:r>
             <a:r>
               <a:rPr lang="en-US" sz="2000" b="1" smtClean="0">
@@ -11734,6 +12370,89 @@
               <a:latin typeface="Times New Roman" panose="02020603050405020304" pitchFamily="18" charset="0"/>
               <a:cs typeface="Times New Roman" panose="02020603050405020304" pitchFamily="18" charset="0"/>
             </a:endParaRPr>
+          </a:p>
+        </p:txBody>
+      </p:sp>
+      <p:sp>
+        <p:nvSpPr>
+          <p:cNvPr id="10" name="TextBox 9"/>
+          <p:cNvSpPr txBox="1"/>
+          <p:nvPr/>
+        </p:nvSpPr>
+        <p:spPr>
+          <a:xfrm>
+            <a:off x="488950" y="2815838"/>
+            <a:ext cx="6134100" cy="400110"/>
+          </a:xfrm>
+          <a:prstGeom prst="rect">
+            <a:avLst/>
+          </a:prstGeom>
+          <a:noFill/>
+        </p:spPr>
+        <p:txBody>
+          <a:bodyPr wrap="square" rtlCol="0">
+            <a:spAutoFit/>
+          </a:bodyPr>
+          <a:lstStyle/>
+          <a:p>
+            <a:pPr>
+              <a:buFont typeface="Wingdings" panose="05000000000000000000" pitchFamily="2" charset="2"/>
+              <a:buChar char="Ø"/>
+            </a:pPr>
+            <a:r>
+              <a:rPr lang="en-US" sz="2000" b="1">
+                <a:latin typeface="Times New Roman" panose="02020603050405020304" pitchFamily="18" charset="0"/>
+                <a:cs typeface="Times New Roman" panose="02020603050405020304" pitchFamily="18" charset="0"/>
+              </a:rPr>
+              <a:t> Cho </a:t>
+            </a:r>
+            <a:r>
+              <a:rPr lang="en-US" sz="2000" b="1" smtClean="0">
+                <a:latin typeface="Times New Roman" panose="02020603050405020304" pitchFamily="18" charset="0"/>
+                <a:cs typeface="Times New Roman" panose="02020603050405020304" pitchFamily="18" charset="0"/>
+              </a:rPr>
+              <a:t>phép lưu các kênh tivi yêu thích</a:t>
+            </a:r>
+            <a:endParaRPr lang="en-US" sz="2000">
+              <a:latin typeface="Times New Roman" panose="02020603050405020304" pitchFamily="18" charset="0"/>
+              <a:cs typeface="Times New Roman" panose="02020603050405020304" pitchFamily="18" charset="0"/>
+            </a:endParaRPr>
+          </a:p>
+        </p:txBody>
+      </p:sp>
+      <p:sp>
+        <p:nvSpPr>
+          <p:cNvPr id="11" name="TextBox 10"/>
+          <p:cNvSpPr txBox="1"/>
+          <p:nvPr/>
+        </p:nvSpPr>
+        <p:spPr>
+          <a:xfrm>
+            <a:off x="908050" y="3249798"/>
+            <a:ext cx="6807200" cy="707886"/>
+          </a:xfrm>
+          <a:prstGeom prst="rect">
+            <a:avLst/>
+          </a:prstGeom>
+          <a:noFill/>
+        </p:spPr>
+        <p:txBody>
+          <a:bodyPr wrap="square" rtlCol="0">
+            <a:spAutoFit/>
+          </a:bodyPr>
+          <a:lstStyle/>
+          <a:p>
+            <a:pPr marL="342900" indent="-342900">
+              <a:buFontTx/>
+              <a:buChar char="-"/>
+            </a:pPr>
+            <a:r>
+              <a:rPr lang="en-US" sz="2000" smtClean="0">
+                <a:latin typeface="Times New Roman" panose="02020603050405020304" pitchFamily="18" charset="0"/>
+                <a:cs typeface="Times New Roman" panose="02020603050405020304" pitchFamily="18" charset="0"/>
+              </a:rPr>
+              <a:t>Người dùng có thể cài đặt danh sách kênh yêu thích với tên gọi tùy ý</a:t>
+            </a:r>
           </a:p>
         </p:txBody>
       </p:sp>
@@ -15234,17 +15953,7 @@
                 <a:latin typeface="Times New Roman" panose="02020603050405020304" pitchFamily="18" charset="0"/>
                 <a:cs typeface="Times New Roman" panose="02020603050405020304" pitchFamily="18" charset="0"/>
               </a:rPr>
-              <a:t>remote": NAME_TV, "code</a:t>
-            </a:r>
-            <a:r>
-              <a:rPr lang="en-US" sz="1800" b="1" i="1">
-                <a:solidFill>
-                  <a:schemeClr val="tx1"/>
-                </a:solidFill>
-                <a:latin typeface="Times New Roman" panose="02020603050405020304" pitchFamily="18" charset="0"/>
-                <a:cs typeface="Times New Roman" panose="02020603050405020304" pitchFamily="18" charset="0"/>
-              </a:rPr>
-              <a:t>": </a:t>
+              <a:t>remote": NAME_TV, "code": </a:t>
             </a:r>
             <a:r>
               <a:rPr lang="en-US" sz="1800" b="1" i="1" smtClean="0">
@@ -15346,10 +16055,6 @@
               </a:rPr>
               <a:t>Server</a:t>
             </a:r>
-            <a:endParaRPr lang="en-US" sz="2000" b="1">
-              <a:latin typeface="Times New Roman" panose="02020603050405020304" pitchFamily="18" charset="0"/>
-              <a:cs typeface="Times New Roman" panose="02020603050405020304" pitchFamily="18" charset="0"/>
-            </a:endParaRPr>
           </a:p>
         </p:txBody>
       </p:sp>
@@ -15549,17 +16254,7 @@
                 <a:latin typeface="Times New Roman" panose="02020603050405020304" pitchFamily="18" charset="0"/>
                 <a:cs typeface="Times New Roman" panose="02020603050405020304" pitchFamily="18" charset="0"/>
               </a:rPr>
-              <a:t>remote": NAME_TV, "code": </a:t>
-            </a:r>
-            <a:r>
-              <a:rPr lang="en-US" b="1" i="1">
-                <a:solidFill>
-                  <a:schemeClr val="tx1"/>
-                </a:solidFill>
-                <a:latin typeface="Times New Roman" panose="02020603050405020304" pitchFamily="18" charset="0"/>
-                <a:cs typeface="Times New Roman" panose="02020603050405020304" pitchFamily="18" charset="0"/>
-              </a:rPr>
-              <a:t>VOLUMEUP</a:t>
+              <a:t>remote": NAME_TV, "code": VOLUMEUP</a:t>
             </a:r>
             <a:r>
               <a:rPr lang="en-US" b="1" i="1" smtClean="0">
@@ -15604,17 +16299,7 @@
                 <a:latin typeface="Times New Roman" panose="02020603050405020304" pitchFamily="18" charset="0"/>
                 <a:cs typeface="Times New Roman" panose="02020603050405020304" pitchFamily="18" charset="0"/>
               </a:rPr>
-              <a:t>remote": NAME_TV, "code</a:t>
-            </a:r>
-            <a:r>
-              <a:rPr lang="en-US" b="1" i="1">
-                <a:solidFill>
-                  <a:schemeClr val="tx1"/>
-                </a:solidFill>
-                <a:latin typeface="Times New Roman" panose="02020603050405020304" pitchFamily="18" charset="0"/>
-                <a:cs typeface="Times New Roman" panose="02020603050405020304" pitchFamily="18" charset="0"/>
-              </a:rPr>
-              <a:t>": </a:t>
+              <a:t>remote": NAME_TV, "code": </a:t>
             </a:r>
             <a:r>
               <a:rPr lang="en-US" b="1" i="1" smtClean="0">
@@ -15649,17 +16334,7 @@
                 <a:latin typeface="Times New Roman" panose="02020603050405020304" pitchFamily="18" charset="0"/>
                 <a:cs typeface="Times New Roman" panose="02020603050405020304" pitchFamily="18" charset="0"/>
               </a:rPr>
-              <a:t>Status":</a:t>
-            </a:r>
-            <a:r>
-              <a:rPr lang="en-US" b="1" i="1">
-                <a:solidFill>
-                  <a:schemeClr val="tx1"/>
-                </a:solidFill>
-                <a:latin typeface="Times New Roman" panose="02020603050405020304" pitchFamily="18" charset="0"/>
-                <a:cs typeface="Times New Roman" panose="02020603050405020304" pitchFamily="18" charset="0"/>
-              </a:rPr>
-              <a:t>1</a:t>
+              <a:t>Status":1</a:t>
             </a:r>
             <a:r>
               <a:rPr lang="en-US" b="1" i="1" smtClean="0">
@@ -15835,14 +16510,7 @@
                 <a:latin typeface="Times New Roman" panose="02020603050405020304" pitchFamily="18" charset="0"/>
                 <a:cs typeface="Times New Roman" panose="02020603050405020304" pitchFamily="18" charset="0"/>
               </a:rPr>
-              <a:t>Ứng dụng trên </a:t>
-            </a:r>
-            <a:r>
-              <a:rPr lang="en-US" sz="2000" b="1">
-                <a:latin typeface="Times New Roman" panose="02020603050405020304" pitchFamily="18" charset="0"/>
-                <a:cs typeface="Times New Roman" panose="02020603050405020304" pitchFamily="18" charset="0"/>
-              </a:rPr>
-              <a:t>điện </a:t>
+              <a:t>Ứng dụng trên điện </a:t>
             </a:r>
             <a:r>
               <a:rPr lang="en-US" sz="2000" b="1" smtClean="0">
